--- a/Programmieren II Projekt - Präsi.pptx
+++ b/Programmieren II Projekt - Präsi.pptx
@@ -5,29 +5,30 @@
     <p:sldMasterId id="2147483648" r:id="rId1"/>
   </p:sldMasterIdLst>
   <p:notesMasterIdLst>
-    <p:notesMasterId r:id="rId19"/>
+    <p:notesMasterId r:id="rId20"/>
   </p:notesMasterIdLst>
   <p:handoutMasterIdLst>
-    <p:handoutMasterId r:id="rId20"/>
+    <p:handoutMasterId r:id="rId21"/>
   </p:handoutMasterIdLst>
   <p:sldIdLst>
     <p:sldId id="256" r:id="rId2"/>
     <p:sldId id="257" r:id="rId3"/>
     <p:sldId id="258" r:id="rId4"/>
-    <p:sldId id="259" r:id="rId5"/>
-    <p:sldId id="260" r:id="rId6"/>
-    <p:sldId id="261" r:id="rId7"/>
-    <p:sldId id="262" r:id="rId8"/>
-    <p:sldId id="266" r:id="rId9"/>
-    <p:sldId id="263" r:id="rId10"/>
-    <p:sldId id="267" r:id="rId11"/>
-    <p:sldId id="268" r:id="rId12"/>
-    <p:sldId id="269" r:id="rId13"/>
-    <p:sldId id="270" r:id="rId14"/>
-    <p:sldId id="271" r:id="rId15"/>
-    <p:sldId id="272" r:id="rId16"/>
-    <p:sldId id="264" r:id="rId17"/>
-    <p:sldId id="265" r:id="rId18"/>
+    <p:sldId id="273" r:id="rId5"/>
+    <p:sldId id="259" r:id="rId6"/>
+    <p:sldId id="260" r:id="rId7"/>
+    <p:sldId id="261" r:id="rId8"/>
+    <p:sldId id="262" r:id="rId9"/>
+    <p:sldId id="266" r:id="rId10"/>
+    <p:sldId id="263" r:id="rId11"/>
+    <p:sldId id="267" r:id="rId12"/>
+    <p:sldId id="268" r:id="rId13"/>
+    <p:sldId id="269" r:id="rId14"/>
+    <p:sldId id="270" r:id="rId15"/>
+    <p:sldId id="271" r:id="rId16"/>
+    <p:sldId id="272" r:id="rId17"/>
+    <p:sldId id="264" r:id="rId18"/>
+    <p:sldId id="265" r:id="rId19"/>
   </p:sldIdLst>
   <p:sldSz cx="12192000" cy="6858000"/>
   <p:notesSz cx="6858000" cy="9144000"/>
@@ -8764,7 +8765,7 @@
           <p:cNvPr id="2" name="Titel 1">
             <a:extLst>
               <a:ext uri="{FF2B5EF4-FFF2-40B4-BE49-F238E27FC236}">
-                <a16:creationId xmlns:a16="http://schemas.microsoft.com/office/drawing/2014/main" id="{E915F6B5-C355-4728-9CFD-3D684DF1B767}"/>
+                <a16:creationId xmlns:a16="http://schemas.microsoft.com/office/drawing/2014/main" id="{E38017CB-5D04-4AAE-82EB-EDE338C81032}"/>
               </a:ext>
             </a:extLst>
           </p:cNvPr>
@@ -8782,7 +8783,7 @@
           <a:p>
             <a:r>
               <a:rPr lang="de-DE" dirty="0"/>
-              <a:t>Spiellogik</a:t>
+              <a:t>Abfrage Ufo-Feld</a:t>
             </a:r>
           </a:p>
         </p:txBody>
@@ -8792,7 +8793,7 @@
           <p:cNvPr id="4" name="Datumsplatzhalter 3">
             <a:extLst>
               <a:ext uri="{FF2B5EF4-FFF2-40B4-BE49-F238E27FC236}">
-                <a16:creationId xmlns:a16="http://schemas.microsoft.com/office/drawing/2014/main" id="{A4B47CF2-212E-4272-AF45-3FF7B438DD95}"/>
+                <a16:creationId xmlns:a16="http://schemas.microsoft.com/office/drawing/2014/main" id="{4485994C-F4C2-4A3C-A318-D33AE7A55728}"/>
               </a:ext>
             </a:extLst>
           </p:cNvPr>
@@ -8821,7 +8822,7 @@
           <p:cNvPr id="5" name="Foliennummernplatzhalter 4">
             <a:extLst>
               <a:ext uri="{FF2B5EF4-FFF2-40B4-BE49-F238E27FC236}">
-                <a16:creationId xmlns:a16="http://schemas.microsoft.com/office/drawing/2014/main" id="{1DBF5023-BBFD-4A58-B4BA-267BF7F203B0}"/>
+                <a16:creationId xmlns:a16="http://schemas.microsoft.com/office/drawing/2014/main" id="{379DE670-A8F6-4FD9-BA1C-500F255ABC08}"/>
               </a:ext>
             </a:extLst>
           </p:cNvPr>
@@ -8851,7 +8852,7 @@
           <p:cNvPr id="6" name="Fußzeilenplatzhalter 5">
             <a:extLst>
               <a:ext uri="{FF2B5EF4-FFF2-40B4-BE49-F238E27FC236}">
-                <a16:creationId xmlns:a16="http://schemas.microsoft.com/office/drawing/2014/main" id="{B2C1F142-C7E2-44B2-AD25-A1AC303AD0F5}"/>
+                <a16:creationId xmlns:a16="http://schemas.microsoft.com/office/drawing/2014/main" id="{863CEF60-E7F4-46AE-8EEC-4F8B699524D0}"/>
               </a:ext>
             </a:extLst>
           </p:cNvPr>
@@ -8879,7 +8880,7 @@
           <p:cNvPr id="7" name="Inhaltsplatzhalter 6">
             <a:extLst>
               <a:ext uri="{FF2B5EF4-FFF2-40B4-BE49-F238E27FC236}">
-                <a16:creationId xmlns:a16="http://schemas.microsoft.com/office/drawing/2014/main" id="{C293AF5A-25CE-4446-B82F-B2D70B027710}"/>
+                <a16:creationId xmlns:a16="http://schemas.microsoft.com/office/drawing/2014/main" id="{4191809F-6BD5-4418-A354-47E1B9577BD6}"/>
               </a:ext>
             </a:extLst>
           </p:cNvPr>
@@ -8899,7 +8900,7 @@
         <p:spPr>
           <a:xfrm>
             <a:off x="864000" y="1888650"/>
-            <a:ext cx="6185704" cy="4105275"/>
+            <a:ext cx="7172325" cy="4104000"/>
           </a:xfrm>
           <a:prstGeom prst="rect">
             <a:avLst/>
@@ -8909,7 +8910,7 @@
     </p:spTree>
     <p:extLst>
       <p:ext uri="{BB962C8B-B14F-4D97-AF65-F5344CB8AC3E}">
-        <p14:creationId xmlns:p14="http://schemas.microsoft.com/office/powerpoint/2010/main" val="4118545822"/>
+        <p14:creationId xmlns:p14="http://schemas.microsoft.com/office/powerpoint/2010/main" val="3209673170"/>
       </p:ext>
     </p:extLst>
   </p:cSld>
@@ -8941,7 +8942,7 @@
           <p:cNvPr id="2" name="Titel 1">
             <a:extLst>
               <a:ext uri="{FF2B5EF4-FFF2-40B4-BE49-F238E27FC236}">
-                <a16:creationId xmlns:a16="http://schemas.microsoft.com/office/drawing/2014/main" id="{1060A1D3-4235-4867-AD33-02CD56F8EE90}"/>
+                <a16:creationId xmlns:a16="http://schemas.microsoft.com/office/drawing/2014/main" id="{E915F6B5-C355-4728-9CFD-3D684DF1B767}"/>
               </a:ext>
             </a:extLst>
           </p:cNvPr>
@@ -8959,7 +8960,7 @@
           <a:p>
             <a:r>
               <a:rPr lang="de-DE" dirty="0"/>
-              <a:t>Feldhintergrund und Overlay</a:t>
+              <a:t>Spiellogik</a:t>
             </a:r>
           </a:p>
         </p:txBody>
@@ -8969,7 +8970,7 @@
           <p:cNvPr id="4" name="Datumsplatzhalter 3">
             <a:extLst>
               <a:ext uri="{FF2B5EF4-FFF2-40B4-BE49-F238E27FC236}">
-                <a16:creationId xmlns:a16="http://schemas.microsoft.com/office/drawing/2014/main" id="{1BD1A2D9-6F4B-4907-94F2-B90FAF5A32D7}"/>
+                <a16:creationId xmlns:a16="http://schemas.microsoft.com/office/drawing/2014/main" id="{A4B47CF2-212E-4272-AF45-3FF7B438DD95}"/>
               </a:ext>
             </a:extLst>
           </p:cNvPr>
@@ -8998,7 +8999,7 @@
           <p:cNvPr id="5" name="Foliennummernplatzhalter 4">
             <a:extLst>
               <a:ext uri="{FF2B5EF4-FFF2-40B4-BE49-F238E27FC236}">
-                <a16:creationId xmlns:a16="http://schemas.microsoft.com/office/drawing/2014/main" id="{312A3F70-63B2-42D7-855A-90FC4251387F}"/>
+                <a16:creationId xmlns:a16="http://schemas.microsoft.com/office/drawing/2014/main" id="{1DBF5023-BBFD-4A58-B4BA-267BF7F203B0}"/>
               </a:ext>
             </a:extLst>
           </p:cNvPr>
@@ -9028,7 +9029,7 @@
           <p:cNvPr id="6" name="Fußzeilenplatzhalter 5">
             <a:extLst>
               <a:ext uri="{FF2B5EF4-FFF2-40B4-BE49-F238E27FC236}">
-                <a16:creationId xmlns:a16="http://schemas.microsoft.com/office/drawing/2014/main" id="{EA7EA4F7-7D1F-44CD-8A8C-8329811C71F4}"/>
+                <a16:creationId xmlns:a16="http://schemas.microsoft.com/office/drawing/2014/main" id="{B2C1F142-C7E2-44B2-AD25-A1AC303AD0F5}"/>
               </a:ext>
             </a:extLst>
           </p:cNvPr>
@@ -9056,7 +9057,7 @@
           <p:cNvPr id="7" name="Inhaltsplatzhalter 6">
             <a:extLst>
               <a:ext uri="{FF2B5EF4-FFF2-40B4-BE49-F238E27FC236}">
-                <a16:creationId xmlns:a16="http://schemas.microsoft.com/office/drawing/2014/main" id="{33AB375B-F27E-4C69-A54E-C694925336DF}"/>
+                <a16:creationId xmlns:a16="http://schemas.microsoft.com/office/drawing/2014/main" id="{C293AF5A-25CE-4446-B82F-B2D70B027710}"/>
               </a:ext>
             </a:extLst>
           </p:cNvPr>
@@ -9075,8 +9076,8 @@
         </p:blipFill>
         <p:spPr>
           <a:xfrm>
-            <a:off x="864000" y="2549525"/>
-            <a:ext cx="9744075" cy="3048000"/>
+            <a:off x="864000" y="1888650"/>
+            <a:ext cx="6185704" cy="4105275"/>
           </a:xfrm>
           <a:prstGeom prst="rect">
             <a:avLst/>
@@ -9086,7 +9087,7 @@
     </p:spTree>
     <p:extLst>
       <p:ext uri="{BB962C8B-B14F-4D97-AF65-F5344CB8AC3E}">
-        <p14:creationId xmlns:p14="http://schemas.microsoft.com/office/powerpoint/2010/main" val="1673711922"/>
+        <p14:creationId xmlns:p14="http://schemas.microsoft.com/office/powerpoint/2010/main" val="4118545822"/>
       </p:ext>
     </p:extLst>
   </p:cSld>
@@ -9118,7 +9119,7 @@
           <p:cNvPr id="2" name="Titel 1">
             <a:extLst>
               <a:ext uri="{FF2B5EF4-FFF2-40B4-BE49-F238E27FC236}">
-                <a16:creationId xmlns:a16="http://schemas.microsoft.com/office/drawing/2014/main" id="{F3CC4721-4EFB-43F9-A9ED-131BDC7FF91E}"/>
+                <a16:creationId xmlns:a16="http://schemas.microsoft.com/office/drawing/2014/main" id="{1060A1D3-4235-4867-AD33-02CD56F8EE90}"/>
               </a:ext>
             </a:extLst>
           </p:cNvPr>
@@ -9135,10 +9136,9 @@
           <a:lstStyle/>
           <a:p>
             <a:r>
-              <a:rPr lang="de-DE" dirty="0" err="1"/>
-              <a:t>setWormhole</a:t>
+              <a:rPr lang="de-DE" dirty="0"/>
+              <a:t>Feldhintergrund und Overlay</a:t>
             </a:r>
-            <a:endParaRPr lang="de-DE" dirty="0"/>
           </a:p>
         </p:txBody>
       </p:sp>
@@ -9147,7 +9147,7 @@
           <p:cNvPr id="4" name="Datumsplatzhalter 3">
             <a:extLst>
               <a:ext uri="{FF2B5EF4-FFF2-40B4-BE49-F238E27FC236}">
-                <a16:creationId xmlns:a16="http://schemas.microsoft.com/office/drawing/2014/main" id="{8ECEEC14-E721-4094-A829-AE0FE7EEBE01}"/>
+                <a16:creationId xmlns:a16="http://schemas.microsoft.com/office/drawing/2014/main" id="{1BD1A2D9-6F4B-4907-94F2-B90FAF5A32D7}"/>
               </a:ext>
             </a:extLst>
           </p:cNvPr>
@@ -9176,7 +9176,7 @@
           <p:cNvPr id="5" name="Foliennummernplatzhalter 4">
             <a:extLst>
               <a:ext uri="{FF2B5EF4-FFF2-40B4-BE49-F238E27FC236}">
-                <a16:creationId xmlns:a16="http://schemas.microsoft.com/office/drawing/2014/main" id="{3561DB45-6E17-4F8F-AE56-53BA7FC9AD0B}"/>
+                <a16:creationId xmlns:a16="http://schemas.microsoft.com/office/drawing/2014/main" id="{312A3F70-63B2-42D7-855A-90FC4251387F}"/>
               </a:ext>
             </a:extLst>
           </p:cNvPr>
@@ -9206,7 +9206,7 @@
           <p:cNvPr id="6" name="Fußzeilenplatzhalter 5">
             <a:extLst>
               <a:ext uri="{FF2B5EF4-FFF2-40B4-BE49-F238E27FC236}">
-                <a16:creationId xmlns:a16="http://schemas.microsoft.com/office/drawing/2014/main" id="{952BD1F4-BBAE-45EC-A926-02A1F042266E}"/>
+                <a16:creationId xmlns:a16="http://schemas.microsoft.com/office/drawing/2014/main" id="{EA7EA4F7-7D1F-44CD-8A8C-8329811C71F4}"/>
               </a:ext>
             </a:extLst>
           </p:cNvPr>
@@ -9234,7 +9234,7 @@
           <p:cNvPr id="7" name="Inhaltsplatzhalter 6">
             <a:extLst>
               <a:ext uri="{FF2B5EF4-FFF2-40B4-BE49-F238E27FC236}">
-                <a16:creationId xmlns:a16="http://schemas.microsoft.com/office/drawing/2014/main" id="{620AFA1A-99CD-4BAE-9588-8C99872A2ADE}"/>
+                <a16:creationId xmlns:a16="http://schemas.microsoft.com/office/drawing/2014/main" id="{33AB375B-F27E-4C69-A54E-C694925336DF}"/>
               </a:ext>
             </a:extLst>
           </p:cNvPr>
@@ -9253,8 +9253,8 @@
         </p:blipFill>
         <p:spPr>
           <a:xfrm>
-            <a:off x="863296" y="2157100"/>
-            <a:ext cx="10234613" cy="3832850"/>
+            <a:off x="864000" y="1888650"/>
+            <a:ext cx="9744075" cy="3048000"/>
           </a:xfrm>
           <a:prstGeom prst="rect">
             <a:avLst/>
@@ -9264,7 +9264,7 @@
     </p:spTree>
     <p:extLst>
       <p:ext uri="{BB962C8B-B14F-4D97-AF65-F5344CB8AC3E}">
-        <p14:creationId xmlns:p14="http://schemas.microsoft.com/office/powerpoint/2010/main" val="2672475173"/>
+        <p14:creationId xmlns:p14="http://schemas.microsoft.com/office/powerpoint/2010/main" val="1673711922"/>
       </p:ext>
     </p:extLst>
   </p:cSld>
@@ -9296,7 +9296,7 @@
           <p:cNvPr id="2" name="Titel 1">
             <a:extLst>
               <a:ext uri="{FF2B5EF4-FFF2-40B4-BE49-F238E27FC236}">
-                <a16:creationId xmlns:a16="http://schemas.microsoft.com/office/drawing/2014/main" id="{6A4BE780-0781-4988-A698-F0DA3EDF427E}"/>
+                <a16:creationId xmlns:a16="http://schemas.microsoft.com/office/drawing/2014/main" id="{F3CC4721-4EFB-43F9-A9ED-131BDC7FF91E}"/>
               </a:ext>
             </a:extLst>
           </p:cNvPr>
@@ -9314,7 +9314,7 @@
           <a:p>
             <a:r>
               <a:rPr lang="de-DE" dirty="0" err="1"/>
-              <a:t>GameInterface</a:t>
+              <a:t>setWormhole</a:t>
             </a:r>
             <a:endParaRPr lang="de-DE" dirty="0"/>
           </a:p>
@@ -9325,7 +9325,7 @@
           <p:cNvPr id="4" name="Datumsplatzhalter 3">
             <a:extLst>
               <a:ext uri="{FF2B5EF4-FFF2-40B4-BE49-F238E27FC236}">
-                <a16:creationId xmlns:a16="http://schemas.microsoft.com/office/drawing/2014/main" id="{C3AA646A-3341-40E5-BC08-13F957E38661}"/>
+                <a16:creationId xmlns:a16="http://schemas.microsoft.com/office/drawing/2014/main" id="{8ECEEC14-E721-4094-A829-AE0FE7EEBE01}"/>
               </a:ext>
             </a:extLst>
           </p:cNvPr>
@@ -9354,7 +9354,7 @@
           <p:cNvPr id="5" name="Foliennummernplatzhalter 4">
             <a:extLst>
               <a:ext uri="{FF2B5EF4-FFF2-40B4-BE49-F238E27FC236}">
-                <a16:creationId xmlns:a16="http://schemas.microsoft.com/office/drawing/2014/main" id="{CEECC842-C36D-408E-9A49-78783A1A1D92}"/>
+                <a16:creationId xmlns:a16="http://schemas.microsoft.com/office/drawing/2014/main" id="{3561DB45-6E17-4F8F-AE56-53BA7FC9AD0B}"/>
               </a:ext>
             </a:extLst>
           </p:cNvPr>
@@ -9384,7 +9384,7 @@
           <p:cNvPr id="6" name="Fußzeilenplatzhalter 5">
             <a:extLst>
               <a:ext uri="{FF2B5EF4-FFF2-40B4-BE49-F238E27FC236}">
-                <a16:creationId xmlns:a16="http://schemas.microsoft.com/office/drawing/2014/main" id="{7E250728-D6C7-4EF8-94EB-82E742349B4B}"/>
+                <a16:creationId xmlns:a16="http://schemas.microsoft.com/office/drawing/2014/main" id="{952BD1F4-BBAE-45EC-A926-02A1F042266E}"/>
               </a:ext>
             </a:extLst>
           </p:cNvPr>
@@ -9412,7 +9412,7 @@
           <p:cNvPr id="7" name="Inhaltsplatzhalter 6">
             <a:extLst>
               <a:ext uri="{FF2B5EF4-FFF2-40B4-BE49-F238E27FC236}">
-                <a16:creationId xmlns:a16="http://schemas.microsoft.com/office/drawing/2014/main" id="{B7D9A60D-9BBF-4984-8B5D-8E18C1E316D3}"/>
+                <a16:creationId xmlns:a16="http://schemas.microsoft.com/office/drawing/2014/main" id="{620AFA1A-99CD-4BAE-9588-8C99872A2ADE}"/>
               </a:ext>
             </a:extLst>
           </p:cNvPr>
@@ -9431,8 +9431,8 @@
         </p:blipFill>
         <p:spPr>
           <a:xfrm>
-            <a:off x="864000" y="2047275"/>
-            <a:ext cx="7911032" cy="2922076"/>
+            <a:off x="864000" y="1888650"/>
+            <a:ext cx="10234613" cy="3832850"/>
           </a:xfrm>
           <a:prstGeom prst="rect">
             <a:avLst/>
@@ -9442,7 +9442,7 @@
     </p:spTree>
     <p:extLst>
       <p:ext uri="{BB962C8B-B14F-4D97-AF65-F5344CB8AC3E}">
-        <p14:creationId xmlns:p14="http://schemas.microsoft.com/office/powerpoint/2010/main" val="1898873880"/>
+        <p14:creationId xmlns:p14="http://schemas.microsoft.com/office/powerpoint/2010/main" val="2672475173"/>
       </p:ext>
     </p:extLst>
   </p:cSld>
@@ -9474,7 +9474,7 @@
           <p:cNvPr id="2" name="Titel 1">
             <a:extLst>
               <a:ext uri="{FF2B5EF4-FFF2-40B4-BE49-F238E27FC236}">
-                <a16:creationId xmlns:a16="http://schemas.microsoft.com/office/drawing/2014/main" id="{E832AEC6-D7E7-42AC-A9C8-9594C44358F8}"/>
+                <a16:creationId xmlns:a16="http://schemas.microsoft.com/office/drawing/2014/main" id="{6A4BE780-0781-4988-A698-F0DA3EDF427E}"/>
               </a:ext>
             </a:extLst>
           </p:cNvPr>
@@ -9491,10 +9491,9 @@
           <a:lstStyle/>
           <a:p>
             <a:r>
-              <a:rPr lang="de-DE" dirty="0" err="1"/>
-              <a:t>GameServer</a:t>
+              <a:rPr lang="de-DE" dirty="0"/>
+              <a:t>Game Interface</a:t>
             </a:r>
-            <a:endParaRPr lang="de-DE" dirty="0"/>
           </a:p>
         </p:txBody>
       </p:sp>
@@ -9503,7 +9502,7 @@
           <p:cNvPr id="4" name="Datumsplatzhalter 3">
             <a:extLst>
               <a:ext uri="{FF2B5EF4-FFF2-40B4-BE49-F238E27FC236}">
-                <a16:creationId xmlns:a16="http://schemas.microsoft.com/office/drawing/2014/main" id="{BC26757E-FCAC-4B35-B3B3-0B6E2C4D1554}"/>
+                <a16:creationId xmlns:a16="http://schemas.microsoft.com/office/drawing/2014/main" id="{C3AA646A-3341-40E5-BC08-13F957E38661}"/>
               </a:ext>
             </a:extLst>
           </p:cNvPr>
@@ -9532,7 +9531,7 @@
           <p:cNvPr id="5" name="Foliennummernplatzhalter 4">
             <a:extLst>
               <a:ext uri="{FF2B5EF4-FFF2-40B4-BE49-F238E27FC236}">
-                <a16:creationId xmlns:a16="http://schemas.microsoft.com/office/drawing/2014/main" id="{52700297-CA94-4028-B9A9-28EA3FCF1E40}"/>
+                <a16:creationId xmlns:a16="http://schemas.microsoft.com/office/drawing/2014/main" id="{CEECC842-C36D-408E-9A49-78783A1A1D92}"/>
               </a:ext>
             </a:extLst>
           </p:cNvPr>
@@ -9562,7 +9561,7 @@
           <p:cNvPr id="6" name="Fußzeilenplatzhalter 5">
             <a:extLst>
               <a:ext uri="{FF2B5EF4-FFF2-40B4-BE49-F238E27FC236}">
-                <a16:creationId xmlns:a16="http://schemas.microsoft.com/office/drawing/2014/main" id="{62AD1E89-B57F-4416-A329-8839A0454AAA}"/>
+                <a16:creationId xmlns:a16="http://schemas.microsoft.com/office/drawing/2014/main" id="{7E250728-D6C7-4EF8-94EB-82E742349B4B}"/>
               </a:ext>
             </a:extLst>
           </p:cNvPr>
@@ -9590,7 +9589,7 @@
           <p:cNvPr id="7" name="Inhaltsplatzhalter 6">
             <a:extLst>
               <a:ext uri="{FF2B5EF4-FFF2-40B4-BE49-F238E27FC236}">
-                <a16:creationId xmlns:a16="http://schemas.microsoft.com/office/drawing/2014/main" id="{E86A714D-503C-4324-A6EB-C3C370EAD447}"/>
+                <a16:creationId xmlns:a16="http://schemas.microsoft.com/office/drawing/2014/main" id="{B7D9A60D-9BBF-4984-8B5D-8E18C1E316D3}"/>
               </a:ext>
             </a:extLst>
           </p:cNvPr>
@@ -9610,7 +9609,7 @@
         <p:spPr>
           <a:xfrm>
             <a:off x="864000" y="1888650"/>
-            <a:ext cx="7934325" cy="3676650"/>
+            <a:ext cx="7911032" cy="2922076"/>
           </a:xfrm>
           <a:prstGeom prst="rect">
             <a:avLst/>
@@ -9620,7 +9619,7 @@
     </p:spTree>
     <p:extLst>
       <p:ext uri="{BB962C8B-B14F-4D97-AF65-F5344CB8AC3E}">
-        <p14:creationId xmlns:p14="http://schemas.microsoft.com/office/powerpoint/2010/main" val="4040519353"/>
+        <p14:creationId xmlns:p14="http://schemas.microsoft.com/office/powerpoint/2010/main" val="1898873880"/>
       </p:ext>
     </p:extLst>
   </p:cSld>
@@ -9652,6 +9651,183 @@
           <p:cNvPr id="2" name="Titel 1">
             <a:extLst>
               <a:ext uri="{FF2B5EF4-FFF2-40B4-BE49-F238E27FC236}">
+                <a16:creationId xmlns:a16="http://schemas.microsoft.com/office/drawing/2014/main" id="{E832AEC6-D7E7-42AC-A9C8-9594C44358F8}"/>
+              </a:ext>
+            </a:extLst>
+          </p:cNvPr>
+          <p:cNvSpPr>
+            <a:spLocks noGrp="1"/>
+          </p:cNvSpPr>
+          <p:nvPr>
+            <p:ph type="title"/>
+          </p:nvPr>
+        </p:nvSpPr>
+        <p:spPr/>
+        <p:txBody>
+          <a:bodyPr/>
+          <a:lstStyle/>
+          <a:p>
+            <a:r>
+              <a:rPr lang="de-DE" dirty="0"/>
+              <a:t>Game Server</a:t>
+            </a:r>
+          </a:p>
+        </p:txBody>
+      </p:sp>
+      <p:sp>
+        <p:nvSpPr>
+          <p:cNvPr id="4" name="Datumsplatzhalter 3">
+            <a:extLst>
+              <a:ext uri="{FF2B5EF4-FFF2-40B4-BE49-F238E27FC236}">
+                <a16:creationId xmlns:a16="http://schemas.microsoft.com/office/drawing/2014/main" id="{BC26757E-FCAC-4B35-B3B3-0B6E2C4D1554}"/>
+              </a:ext>
+            </a:extLst>
+          </p:cNvPr>
+          <p:cNvSpPr>
+            <a:spLocks noGrp="1"/>
+          </p:cNvSpPr>
+          <p:nvPr>
+            <p:ph type="dt" sz="half" idx="2"/>
+          </p:nvPr>
+        </p:nvSpPr>
+        <p:spPr/>
+        <p:txBody>
+          <a:bodyPr/>
+          <a:lstStyle/>
+          <a:p>
+            <a:fld id="{0EFF8CB1-A472-480D-BCA1-90B3EE077451}" type="datetime1">
+              <a:rPr lang="de-DE" smtClean="0"/>
+              <a:t>11.06.2019</a:t>
+            </a:fld>
+            <a:endParaRPr lang="de-DE" dirty="0"/>
+          </a:p>
+        </p:txBody>
+      </p:sp>
+      <p:sp>
+        <p:nvSpPr>
+          <p:cNvPr id="5" name="Foliennummernplatzhalter 4">
+            <a:extLst>
+              <a:ext uri="{FF2B5EF4-FFF2-40B4-BE49-F238E27FC236}">
+                <a16:creationId xmlns:a16="http://schemas.microsoft.com/office/drawing/2014/main" id="{52700297-CA94-4028-B9A9-28EA3FCF1E40}"/>
+              </a:ext>
+            </a:extLst>
+          </p:cNvPr>
+          <p:cNvSpPr>
+            <a:spLocks noGrp="1"/>
+          </p:cNvSpPr>
+          <p:nvPr>
+            <p:ph type="sldNum" sz="quarter" idx="4"/>
+          </p:nvPr>
+        </p:nvSpPr>
+        <p:spPr/>
+        <p:txBody>
+          <a:bodyPr/>
+          <a:lstStyle/>
+          <a:p>
+            <a:fld id="{E7BE1CCD-89A0-CC45-BF3E-2A331A7F0490}" type="slidenum">
+              <a:rPr lang="de-DE" smtClean="0"/>
+              <a:pPr/>
+              <a:t>15</a:t>
+            </a:fld>
+            <a:endParaRPr lang="de-DE" dirty="0"/>
+          </a:p>
+        </p:txBody>
+      </p:sp>
+      <p:sp>
+        <p:nvSpPr>
+          <p:cNvPr id="6" name="Fußzeilenplatzhalter 5">
+            <a:extLst>
+              <a:ext uri="{FF2B5EF4-FFF2-40B4-BE49-F238E27FC236}">
+                <a16:creationId xmlns:a16="http://schemas.microsoft.com/office/drawing/2014/main" id="{62AD1E89-B57F-4416-A329-8839A0454AAA}"/>
+              </a:ext>
+            </a:extLst>
+          </p:cNvPr>
+          <p:cNvSpPr>
+            <a:spLocks noGrp="1"/>
+          </p:cNvSpPr>
+          <p:nvPr>
+            <p:ph type="ftr" sz="quarter" idx="3"/>
+          </p:nvPr>
+        </p:nvSpPr>
+        <p:spPr/>
+        <p:txBody>
+          <a:bodyPr/>
+          <a:lstStyle/>
+          <a:p>
+            <a:r>
+              <a:rPr lang="de-DE" dirty="0"/>
+              <a:t>Programmieren II Projekt</a:t>
+            </a:r>
+          </a:p>
+        </p:txBody>
+      </p:sp>
+      <p:pic>
+        <p:nvPicPr>
+          <p:cNvPr id="7" name="Inhaltsplatzhalter 6">
+            <a:extLst>
+              <a:ext uri="{FF2B5EF4-FFF2-40B4-BE49-F238E27FC236}">
+                <a16:creationId xmlns:a16="http://schemas.microsoft.com/office/drawing/2014/main" id="{E86A714D-503C-4324-A6EB-C3C370EAD447}"/>
+              </a:ext>
+            </a:extLst>
+          </p:cNvPr>
+          <p:cNvPicPr>
+            <a:picLocks noGrp="1"/>
+          </p:cNvPicPr>
+          <p:nvPr>
+            <p:ph idx="1"/>
+          </p:nvPr>
+        </p:nvPicPr>
+        <p:blipFill>
+          <a:blip r:embed="rId2"/>
+          <a:stretch>
+            <a:fillRect/>
+          </a:stretch>
+        </p:blipFill>
+        <p:spPr>
+          <a:xfrm>
+            <a:off x="864000" y="1888650"/>
+            <a:ext cx="7934325" cy="3676650"/>
+          </a:xfrm>
+          <a:prstGeom prst="rect">
+            <a:avLst/>
+          </a:prstGeom>
+        </p:spPr>
+      </p:pic>
+    </p:spTree>
+    <p:extLst>
+      <p:ext uri="{BB962C8B-B14F-4D97-AF65-F5344CB8AC3E}">
+        <p14:creationId xmlns:p14="http://schemas.microsoft.com/office/powerpoint/2010/main" val="4040519353"/>
+      </p:ext>
+    </p:extLst>
+  </p:cSld>
+  <p:clrMapOvr>
+    <a:masterClrMapping/>
+  </p:clrMapOvr>
+</p:sld>
+</file>
+
+<file path=ppt/slides/slide16.xml><?xml version="1.0" encoding="utf-8"?>
+<p:sld xmlns:a="http://schemas.openxmlformats.org/drawingml/2006/main" xmlns:r="http://schemas.openxmlformats.org/officeDocument/2006/relationships" xmlns:p="http://schemas.openxmlformats.org/presentationml/2006/main">
+  <p:cSld>
+    <p:spTree>
+      <p:nvGrpSpPr>
+        <p:cNvPr id="1" name=""/>
+        <p:cNvGrpSpPr/>
+        <p:nvPr/>
+      </p:nvGrpSpPr>
+      <p:grpSpPr>
+        <a:xfrm>
+          <a:off x="0" y="0"/>
+          <a:ext cx="0" cy="0"/>
+          <a:chOff x="0" y="0"/>
+          <a:chExt cx="0" cy="0"/>
+        </a:xfrm>
+      </p:grpSpPr>
+      <p:sp>
+        <p:nvSpPr>
+          <p:cNvPr id="2" name="Titel 1">
+            <a:extLst>
+              <a:ext uri="{FF2B5EF4-FFF2-40B4-BE49-F238E27FC236}">
                 <a16:creationId xmlns:a16="http://schemas.microsoft.com/office/drawing/2014/main" id="{3434440F-87CA-45D8-9E0E-84A53D79BBFA}"/>
               </a:ext>
             </a:extLst>
@@ -9669,10 +9845,9 @@
           <a:lstStyle/>
           <a:p>
             <a:r>
-              <a:rPr lang="de-DE" dirty="0" err="1"/>
-              <a:t>Gamboard</a:t>
+              <a:rPr lang="de-DE" dirty="0"/>
+              <a:t>Gameboard</a:t>
             </a:r>
-            <a:endParaRPr lang="de-DE" dirty="0"/>
           </a:p>
         </p:txBody>
       </p:sp>
@@ -9729,7 +9904,7 @@
             <a:fld id="{E7BE1CCD-89A0-CC45-BF3E-2A331A7F0490}" type="slidenum">
               <a:rPr lang="de-DE" smtClean="0"/>
               <a:pPr/>
-              <a:t>15</a:t>
+              <a:t>16</a:t>
             </a:fld>
             <a:endParaRPr lang="de-DE" dirty="0"/>
           </a:p>
@@ -9836,7 +10011,7 @@
 </p:sld>
 </file>
 
-<file path=ppt/slides/slide16.xml><?xml version="1.0" encoding="utf-8"?>
+<file path=ppt/slides/slide17.xml><?xml version="1.0" encoding="utf-8"?>
 <p:sld xmlns:a="http://schemas.openxmlformats.org/drawingml/2006/main" xmlns:r="http://schemas.openxmlformats.org/officeDocument/2006/relationships" xmlns:p="http://schemas.openxmlformats.org/presentationml/2006/main">
   <p:cSld>
     <p:spTree>
@@ -9892,7 +10067,7 @@
             </a:r>
             <a:r>
               <a:rPr lang="de-DE" dirty="0" err="1"/>
-              <a:t>vorührung</a:t>
+              <a:t>vorführung</a:t>
             </a:r>
             <a:endParaRPr lang="de-DE" dirty="0"/>
           </a:p>
@@ -9975,7 +10150,7 @@
           <a:p>
             <a:fld id="{E7BE1CCD-89A0-CC45-BF3E-2A331A7F0490}" type="slidenum">
               <a:rPr lang="de-DE" smtClean="0"/>
-              <a:t>16</a:t>
+              <a:t>17</a:t>
             </a:fld>
             <a:endParaRPr lang="de-DE"/>
           </a:p>
@@ -10022,7 +10197,7 @@
 </p:sld>
 </file>
 
-<file path=ppt/slides/slide17.xml><?xml version="1.0" encoding="utf-8"?>
+<file path=ppt/slides/slide18.xml><?xml version="1.0" encoding="utf-8"?>
 <p:sld xmlns:a="http://schemas.openxmlformats.org/drawingml/2006/main" xmlns:r="http://schemas.openxmlformats.org/officeDocument/2006/relationships" xmlns:p="http://schemas.openxmlformats.org/presentationml/2006/main">
   <p:cSld>
     <p:spTree>
@@ -10144,7 +10319,7 @@
           <a:p>
             <a:fld id="{E7BE1CCD-89A0-CC45-BF3E-2A331A7F0490}" type="slidenum">
               <a:rPr lang="de-DE" smtClean="0"/>
-              <a:t>17</a:t>
+              <a:t>18</a:t>
             </a:fld>
             <a:endParaRPr lang="de-DE"/>
           </a:p>
@@ -10243,7 +10418,7 @@
         <p:spPr/>
         <p:txBody>
           <a:bodyPr>
-            <a:normAutofit fontScale="92500" lnSpcReduction="10000"/>
+            <a:normAutofit/>
           </a:bodyPr>
           <a:lstStyle/>
           <a:p>
@@ -10255,25 +10430,13 @@
           <a:p>
             <a:r>
               <a:rPr lang="de-DE" dirty="0"/>
-              <a:t>Projektplan</a:t>
+              <a:t>Erklärung: Schlangen und Leitern</a:t>
             </a:r>
           </a:p>
           <a:p>
             <a:r>
               <a:rPr lang="de-DE" dirty="0"/>
-              <a:t>Arbeitspakete und Verantwortlichkeiten</a:t>
-            </a:r>
-          </a:p>
-          <a:p>
-            <a:r>
-              <a:rPr lang="de-DE" dirty="0"/>
-              <a:t>Aufwands-/Ressourcenschätzung</a:t>
-            </a:r>
-          </a:p>
-          <a:p>
-            <a:r>
-              <a:rPr lang="de-DE" dirty="0"/>
-              <a:t>Ablaufplan</a:t>
+              <a:t>Projektmanagement</a:t>
             </a:r>
           </a:p>
           <a:p>
@@ -10490,13 +10653,8 @@
           <a:p>
             <a:r>
               <a:rPr lang="de-DE" dirty="0"/>
-              <a:t>Leichtes </a:t>
+              <a:t>Leichtes Verständnis</a:t>
             </a:r>
-            <a:r>
-              <a:rPr lang="de-DE" dirty="0" err="1"/>
-              <a:t>Vertsändinis</a:t>
-            </a:r>
-            <a:endParaRPr lang="de-DE" dirty="0"/>
           </a:p>
         </p:txBody>
       </p:sp>
@@ -10622,7 +10780,7 @@
           <p:cNvPr id="2" name="Titel 1">
             <a:extLst>
               <a:ext uri="{FF2B5EF4-FFF2-40B4-BE49-F238E27FC236}">
-                <a16:creationId xmlns:a16="http://schemas.microsoft.com/office/drawing/2014/main" id="{830AC632-DBEF-4637-B7B0-810EEE662EF9}"/>
+                <a16:creationId xmlns:a16="http://schemas.microsoft.com/office/drawing/2014/main" id="{0E0595E0-85DB-4CC5-8A98-421F7FE8CDB3}"/>
               </a:ext>
             </a:extLst>
           </p:cNvPr>
@@ -10633,19 +10791,73 @@
             <p:ph type="title"/>
           </p:nvPr>
         </p:nvSpPr>
+        <p:spPr/>
+        <p:txBody>
+          <a:bodyPr/>
+          <a:lstStyle/>
+          <a:p>
+            <a:r>
+              <a:rPr lang="de-DE" dirty="0"/>
+              <a:t>Erklärung: Schlangen und Leitern</a:t>
+            </a:r>
+          </a:p>
+        </p:txBody>
+      </p:sp>
+      <p:sp>
+        <p:nvSpPr>
+          <p:cNvPr id="3" name="Inhaltsplatzhalter 2">
+            <a:extLst>
+              <a:ext uri="{FF2B5EF4-FFF2-40B4-BE49-F238E27FC236}">
+                <a16:creationId xmlns:a16="http://schemas.microsoft.com/office/drawing/2014/main" id="{4211CB7D-680D-48C9-84C9-A1F5E4D1131E}"/>
+              </a:ext>
+            </a:extLst>
+          </p:cNvPr>
+          <p:cNvSpPr>
+            <a:spLocks noGrp="1"/>
+          </p:cNvSpPr>
+          <p:nvPr>
+            <p:ph idx="1"/>
+          </p:nvPr>
+        </p:nvSpPr>
         <p:spPr>
           <a:xfrm>
-            <a:off x="8153401" y="4945498"/>
-            <a:ext cx="3174600" cy="1143000"/>
+            <a:off x="864001" y="2021181"/>
+            <a:ext cx="6886784" cy="4104983"/>
           </a:xfrm>
         </p:spPr>
         <p:txBody>
-          <a:bodyPr/>
+          <a:bodyPr>
+            <a:normAutofit fontScale="92500" lnSpcReduction="10000"/>
+          </a:bodyPr>
           <a:lstStyle/>
           <a:p>
             <a:r>
               <a:rPr lang="de-DE" dirty="0"/>
-              <a:t>Projektplan</a:t>
+              <a:t>Spielbrett windet sich spiralförmig</a:t>
+            </a:r>
+          </a:p>
+          <a:p>
+            <a:r>
+              <a:rPr lang="de-DE" dirty="0"/>
+              <a:t>Verbindung durch Schlangen &amp; Leitern</a:t>
+            </a:r>
+          </a:p>
+          <a:p>
+            <a:r>
+              <a:rPr lang="de-DE" dirty="0"/>
+              <a:t>1 Würfel</a:t>
+            </a:r>
+          </a:p>
+          <a:p>
+            <a:r>
+              <a:rPr lang="de-DE" dirty="0"/>
+              <a:t>Aktion wird nur durchgeführt, wenn Figur auf das Anfangsfeld einer Schlange oder Leiter trifft.</a:t>
+            </a:r>
+          </a:p>
+          <a:p>
+            <a:r>
+              <a:rPr lang="de-DE" dirty="0"/>
+              <a:t>Sieger ist, wer zuerst das Zielfeld erreicht.</a:t>
             </a:r>
           </a:p>
         </p:txBody>
@@ -10655,7 +10867,7 @@
           <p:cNvPr id="4" name="Datumsplatzhalter 3">
             <a:extLst>
               <a:ext uri="{FF2B5EF4-FFF2-40B4-BE49-F238E27FC236}">
-                <a16:creationId xmlns:a16="http://schemas.microsoft.com/office/drawing/2014/main" id="{E5A59626-1B5D-46B8-9135-142ED027A74B}"/>
+                <a16:creationId xmlns:a16="http://schemas.microsoft.com/office/drawing/2014/main" id="{32AD3471-0A17-4C55-BCCC-A9E0F52E5580}"/>
               </a:ext>
             </a:extLst>
           </p:cNvPr>
@@ -10673,7 +10885,7 @@
           <a:p>
             <a:fld id="{0EFF8CB1-A472-480D-BCA1-90B3EE077451}" type="datetime1">
               <a:rPr lang="de-DE" smtClean="0"/>
-              <a:t>11.06.2019</a:t>
+              <a:t>12.06.2019</a:t>
             </a:fld>
             <a:endParaRPr lang="de-DE" dirty="0"/>
           </a:p>
@@ -10684,7 +10896,7 @@
           <p:cNvPr id="5" name="Foliennummernplatzhalter 4">
             <a:extLst>
               <a:ext uri="{FF2B5EF4-FFF2-40B4-BE49-F238E27FC236}">
-                <a16:creationId xmlns:a16="http://schemas.microsoft.com/office/drawing/2014/main" id="{E77C377A-E421-4DAF-A3D9-4AEBC20D8FFF}"/>
+                <a16:creationId xmlns:a16="http://schemas.microsoft.com/office/drawing/2014/main" id="{FB8E8512-64A2-4A7F-A70C-390DBFE8F831}"/>
               </a:ext>
             </a:extLst>
           </p:cNvPr>
@@ -10714,7 +10926,7 @@
           <p:cNvPr id="6" name="Fußzeilenplatzhalter 5">
             <a:extLst>
               <a:ext uri="{FF2B5EF4-FFF2-40B4-BE49-F238E27FC236}">
-                <a16:creationId xmlns:a16="http://schemas.microsoft.com/office/drawing/2014/main" id="{33501BF8-5E15-4393-84B1-4DFFD903C34B}"/>
+                <a16:creationId xmlns:a16="http://schemas.microsoft.com/office/drawing/2014/main" id="{C1FD6528-E902-426E-AA9B-0CC049673980}"/>
               </a:ext>
             </a:extLst>
           </p:cNvPr>
@@ -10739,30 +10951,139 @@
       </p:sp>
       <p:pic>
         <p:nvPicPr>
-          <p:cNvPr id="7" name="Inhaltsplatzhalter 6">
+          <p:cNvPr id="10" name="Grafik 9">
             <a:extLst>
               <a:ext uri="{FF2B5EF4-FFF2-40B4-BE49-F238E27FC236}">
-                <a16:creationId xmlns:a16="http://schemas.microsoft.com/office/drawing/2014/main" id="{AAECBE83-B662-43C2-A521-7693F147659C}"/>
+                <a16:creationId xmlns:a16="http://schemas.microsoft.com/office/drawing/2014/main" id="{E38C077A-2FEE-4CEF-9A76-D9100CD000D4}"/>
               </a:ext>
             </a:extLst>
           </p:cNvPr>
           <p:cNvPicPr>
-            <a:picLocks noGrp="1"/>
+            <a:picLocks noChangeAspect="1"/>
           </p:cNvPicPr>
-          <p:nvPr>
-            <p:ph idx="1"/>
-          </p:nvPr>
+          <p:nvPr/>
         </p:nvPicPr>
         <p:blipFill>
-          <a:blip r:embed="rId2"/>
+          <a:blip r:embed="rId2">
+            <a:extLst>
+              <a:ext uri="{BEBA8EAE-BF5A-486C-A8C5-ECC9F3942E4B}">
+                <a14:imgProps xmlns:a14="http://schemas.microsoft.com/office/drawing/2010/main">
+                  <a14:imgLayer r:embed="rId3">
+                    <a14:imgEffect>
+                      <a14:backgroundRemoval t="2388" b="97051" l="1208" r="98121">
+                        <a14:foregroundMark x1="15436" y1="10815" x2="8591" y2="88343"/>
+                        <a14:foregroundMark x1="8591" y1="90871" x2="24698" y2="91713"/>
+                        <a14:foregroundMark x1="24698" y1="91713" x2="37315" y2="90169"/>
+                        <a14:foregroundMark x1="37315" y1="90169" x2="64161" y2="91994"/>
+                        <a14:foregroundMark x1="64161" y1="91994" x2="89933" y2="90449"/>
+                        <a14:foregroundMark x1="89933" y1="90449" x2="89933" y2="90449"/>
+                        <a14:foregroundMark x1="91812" y1="86938" x2="83087" y2="42135"/>
+                        <a14:foregroundMark x1="83087" y1="42135" x2="86309" y2="11096"/>
+                        <a14:foregroundMark x1="85772" y1="9410" x2="11275" y2="9129"/>
+                        <a14:foregroundMark x1="4027" y1="90730" x2="4027" y2="90730"/>
+                        <a14:foregroundMark x1="5101" y1="90871" x2="11141" y2="91152"/>
+                        <a14:foregroundMark x1="2948" y1="92457" x2="3758" y2="85674"/>
+                        <a14:foregroundMark x1="3758" y1="82584" x2="3356" y2="77528"/>
+                        <a14:foregroundMark x1="91141" y1="44382" x2="94765" y2="95927"/>
+                        <a14:foregroundMark x1="3719" y1="84831" x2="2819" y2="95365"/>
+                        <a14:foregroundMark x1="7248" y1="43539" x2="3719" y2="84831"/>
+                        <a14:foregroundMark x1="4966" y1="69944" x2="9799" y2="23034"/>
+                        <a14:foregroundMark x1="11812" y1="23455" x2="11812" y2="22191"/>
+                        <a14:foregroundMark x1="25638" y1="3511" x2="39195" y2="7444"/>
+                        <a14:foregroundMark x1="39195" y1="7444" x2="51812" y2="4073"/>
+                        <a14:foregroundMark x1="51812" y1="4073" x2="64564" y2="4494"/>
+                        <a14:foregroundMark x1="64564" y1="4494" x2="74094" y2="4354"/>
+                        <a14:foregroundMark x1="11007" y1="5899" x2="9530" y2="21208"/>
+                        <a14:foregroundMark x1="9396" y1="17556" x2="9128" y2="16152"/>
+                        <a14:foregroundMark x1="9396" y1="13483" x2="11275" y2="4494"/>
+                        <a14:foregroundMark x1="4295" y1="66433" x2="4295" y2="66433"/>
+                        <a14:foregroundMark x1="3291" y1="84831" x2="3192" y2="86301"/>
+                        <a14:foregroundMark x1="4295" y1="69944" x2="3291" y2="84831"/>
+                        <a14:foregroundMark x1="9530" y1="21208" x2="8456" y2="31180"/>
+                        <a14:foregroundMark x1="8054" y1="31039" x2="6040" y2="49579"/>
+                        <a14:foregroundMark x1="6040" y1="49860" x2="4564" y2="66854"/>
+                        <a14:foregroundMark x1="9933" y1="15590" x2="8591" y2="29916"/>
+                        <a14:foregroundMark x1="13691" y1="4213" x2="24161" y2="3511"/>
+                        <a14:foregroundMark x1="13020" y1="3511" x2="11544" y2="3511"/>
+                        <a14:foregroundMark x1="29530" y1="3511" x2="42550" y2="3652"/>
+                        <a14:foregroundMark x1="42550" y1="3652" x2="52752" y2="2949"/>
+                        <a14:foregroundMark x1="52886" y1="2528" x2="77181" y2="4775"/>
+                        <a14:foregroundMark x1="73557" y1="3652" x2="91678" y2="5478"/>
+                        <a14:foregroundMark x1="90738" y1="4073" x2="89799" y2="4635"/>
+                        <a14:foregroundMark x1="92752" y1="6039" x2="92349" y2="4635"/>
+                        <a14:foregroundMark x1="92349" y1="4213" x2="92349" y2="4213"/>
+                        <a14:foregroundMark x1="92886" y1="6601" x2="89128" y2="32303"/>
+                        <a14:foregroundMark x1="83490" y1="29635" x2="80403" y2="36096"/>
+                        <a14:foregroundMark x1="92483" y1="11798" x2="95839" y2="51545"/>
+                        <a14:foregroundMark x1="95570" y1="53230" x2="95570" y2="55478"/>
+                        <a14:foregroundMark x1="95570" y1="56742" x2="95705" y2="61657"/>
+                        <a14:foregroundMark x1="95705" y1="54916" x2="96376" y2="62500"/>
+                        <a14:foregroundMark x1="95973" y1="63904" x2="96510" y2="67275"/>
+                        <a14:foregroundMark x1="97047" y1="93961" x2="77987" y2="95927"/>
+                        <a14:foregroundMark x1="86443" y1="96489" x2="95705" y2="96348"/>
+                        <a14:foregroundMark x1="9664" y1="18539" x2="7517" y2="36657"/>
+                        <a14:foregroundMark x1="8859" y1="19101" x2="8725" y2="19382"/>
+                        <a14:foregroundMark x1="8591" y1="20646" x2="7517" y2="33567"/>
+                        <a14:foregroundMark x1="7517" y1="33567" x2="7517" y2="33708"/>
+                        <a14:foregroundMark x1="7517" y1="35674" x2="6980" y2="39326"/>
+                        <a14:foregroundMark x1="6980" y1="35253" x2="7517" y2="26826"/>
+                        <a14:foregroundMark x1="7248" y1="33287" x2="6443" y2="50140"/>
+                        <a14:foregroundMark x1="6577" y1="41573" x2="6577" y2="41573"/>
+                        <a14:foregroundMark x1="6174" y1="40730" x2="6174" y2="40730"/>
+                        <a14:foregroundMark x1="6443" y1="38062" x2="6846" y2="33989"/>
+                        <a14:foregroundMark x1="6040" y1="42837" x2="5101" y2="60253"/>
+                        <a14:foregroundMark x1="5503" y1="46348" x2="4430" y2="70787"/>
+                        <a14:foregroundMark x1="4027" y1="68258" x2="4832" y2="59691"/>
+                        <a14:foregroundMark x1="2814" y1="84831" x2="2726" y2="86265"/>
+                        <a14:foregroundMark x1="3893" y1="67135" x2="2814" y2="84831"/>
+                        <a14:foregroundMark x1="96242" y1="69382" x2="97852" y2="96770"/>
+                        <a14:foregroundMark x1="96510" y1="64185" x2="98121" y2="94803"/>
+                        <a14:foregroundMark x1="78926" y1="97051" x2="65906" y2="97893"/>
+                        <a14:foregroundMark x1="65906" y1="97893" x2="53020" y2="95365"/>
+                        <a14:foregroundMark x1="53020" y1="95365" x2="2416" y2="94382"/>
+                        <a14:foregroundMark x1="54094" y1="96629" x2="44564" y2="97191"/>
+                        <a14:foregroundMark x1="41611" y1="96770" x2="40537" y2="96770"/>
+                        <a14:foregroundMark x1="39329" y1="96770" x2="3221" y2="95365"/>
+                        <a14:foregroundMark x1="23893" y1="97051" x2="23893" y2="97051"/>
+                        <a14:foregroundMark x1="22148" y1="96910" x2="22148" y2="96910"/>
+                        <a14:foregroundMark x1="2685" y1="88483" x2="2685" y2="88483"/>
+                        <a14:foregroundMark x1="2953" y1="89607" x2="2819" y2="89888"/>
+                        <a14:foregroundMark x1="2550" y1="90730" x2="2282" y2="91152"/>
+                        <a14:foregroundMark x1="1879" y1="93399" x2="1879" y2="93399"/>
+                        <a14:foregroundMark x1="1879" y1="94803" x2="1879" y2="94803"/>
+                        <a14:foregroundMark x1="1208" y1="95506" x2="1208" y2="95506"/>
+                        <a14:foregroundMark x1="2013" y1="91433" x2="2013" y2="91433"/>
+                        <a14:foregroundMark x1="2282" y1="89326" x2="2282" y2="89045"/>
+                        <a14:foregroundMark x1="2148" y1="87921" x2="2148" y2="87640"/>
+                        <a14:foregroundMark x1="2148" y1="87360" x2="2148" y2="86096"/>
+                        <a14:foregroundMark x1="2282" y1="84972" x2="2282" y2="84972"/>
+                        <a14:foregroundMark x1="2416" y1="82865" x2="2416" y2="82865"/>
+                        <a14:foregroundMark x1="4295" y1="58989" x2="4295" y2="58989"/>
+                        <a14:foregroundMark x1="4430" y1="56320" x2="4430" y2="56039"/>
+                        <a14:foregroundMark x1="4564" y1="54635" x2="4564" y2="54635"/>
+                        <a14:foregroundMark x1="4430" y1="52669" x2="4430" y2="52669"/>
+                        <a14:foregroundMark x1="4832" y1="50000" x2="4832" y2="50000"/>
+                        <a14:backgroundMark x1="940" y1="84831" x2="940" y2="84831"/>
+                        <a14:backgroundMark x1="20" y1="93399" x2="0" y2="93680"/>
+                        <a14:backgroundMark x1="159" y1="91433" x2="20" y2="93399"/>
+                        <a14:backgroundMark x1="267" y1="89912" x2="159" y2="91433"/>
+                        <a14:backgroundMark x1="353" y1="88692" x2="306" y2="89350"/>
+                        <a14:backgroundMark x1="537" y1="86096" x2="368" y2="88483"/>
+                      </a14:backgroundRemoval>
+                    </a14:imgEffect>
+                  </a14:imgLayer>
+                </a14:imgProps>
+              </a:ext>
+            </a:extLst>
+          </a:blip>
           <a:stretch>
             <a:fillRect/>
           </a:stretch>
         </p:blipFill>
         <p:spPr>
           <a:xfrm>
-            <a:off x="864000" y="1041732"/>
-            <a:ext cx="7092884" cy="5006482"/>
+            <a:off x="7750784" y="2075610"/>
+            <a:ext cx="3477753" cy="3323705"/>
           </a:xfrm>
           <a:prstGeom prst="rect">
             <a:avLst/>
@@ -10772,7 +11093,7 @@
     </p:spTree>
     <p:extLst>
       <p:ext uri="{BB962C8B-B14F-4D97-AF65-F5344CB8AC3E}">
-        <p14:creationId xmlns:p14="http://schemas.microsoft.com/office/powerpoint/2010/main" val="4139874475"/>
+        <p14:creationId xmlns:p14="http://schemas.microsoft.com/office/powerpoint/2010/main" val="3739599101"/>
       </p:ext>
     </p:extLst>
   </p:cSld>
@@ -10804,7 +11125,7 @@
           <p:cNvPr id="2" name="Titel 1">
             <a:extLst>
               <a:ext uri="{FF2B5EF4-FFF2-40B4-BE49-F238E27FC236}">
-                <a16:creationId xmlns:a16="http://schemas.microsoft.com/office/drawing/2014/main" id="{DF85B8A3-E45B-4E6E-9171-B78F52788420}"/>
+                <a16:creationId xmlns:a16="http://schemas.microsoft.com/office/drawing/2014/main" id="{830AC632-DBEF-4637-B7B0-810EEE662EF9}"/>
               </a:ext>
             </a:extLst>
           </p:cNvPr>
@@ -10815,60 +11136,19 @@
             <p:ph type="title"/>
           </p:nvPr>
         </p:nvSpPr>
-        <p:spPr/>
+        <p:spPr>
+          <a:xfrm>
+            <a:off x="8153400" y="4905214"/>
+            <a:ext cx="3174600" cy="1143000"/>
+          </a:xfrm>
+        </p:spPr>
         <p:txBody>
           <a:bodyPr/>
           <a:lstStyle/>
           <a:p>
             <a:r>
               <a:rPr lang="de-DE" dirty="0"/>
-              <a:t>Arbeitspakete und Verantwortlichkeiten</a:t>
-            </a:r>
-          </a:p>
-        </p:txBody>
-      </p:sp>
-      <p:sp>
-        <p:nvSpPr>
-          <p:cNvPr id="3" name="Inhaltsplatzhalter 2">
-            <a:extLst>
-              <a:ext uri="{FF2B5EF4-FFF2-40B4-BE49-F238E27FC236}">
-                <a16:creationId xmlns:a16="http://schemas.microsoft.com/office/drawing/2014/main" id="{816354AF-047A-4E2A-8C08-722407B95F3B}"/>
-              </a:ext>
-            </a:extLst>
-          </p:cNvPr>
-          <p:cNvSpPr>
-            <a:spLocks noGrp="1"/>
-          </p:cNvSpPr>
-          <p:nvPr>
-            <p:ph idx="1"/>
-          </p:nvPr>
-        </p:nvSpPr>
-        <p:spPr/>
-        <p:txBody>
-          <a:bodyPr/>
-          <a:lstStyle/>
-          <a:p>
-            <a:r>
-              <a:rPr lang="de-DE" dirty="0"/>
-              <a:t>Dokumentation, Grafiken, Präsentation: Lukas Becker</a:t>
-            </a:r>
-          </a:p>
-          <a:p>
-            <a:r>
-              <a:rPr lang="de-DE" dirty="0"/>
-              <a:t>Grafische Umsetzung, Programmierung: Sebastian Linn</a:t>
-            </a:r>
-          </a:p>
-          <a:p>
-            <a:r>
-              <a:rPr lang="de-DE" dirty="0"/>
-              <a:t>Grafische Umsetzung, Programmierung: Nick Ringelmann</a:t>
-            </a:r>
-          </a:p>
-          <a:p>
-            <a:r>
-              <a:rPr lang="de-DE" dirty="0"/>
-              <a:t>Spiellogik, verteilte Programmierung: Steven Geiger</a:t>
+              <a:t>Projektplan</a:t>
             </a:r>
           </a:p>
         </p:txBody>
@@ -10878,7 +11158,7 @@
           <p:cNvPr id="4" name="Datumsplatzhalter 3">
             <a:extLst>
               <a:ext uri="{FF2B5EF4-FFF2-40B4-BE49-F238E27FC236}">
-                <a16:creationId xmlns:a16="http://schemas.microsoft.com/office/drawing/2014/main" id="{FDB160D8-5634-4D98-A7A5-5D7758D7B376}"/>
+                <a16:creationId xmlns:a16="http://schemas.microsoft.com/office/drawing/2014/main" id="{E5A59626-1B5D-46B8-9135-142ED027A74B}"/>
               </a:ext>
             </a:extLst>
           </p:cNvPr>
@@ -10907,7 +11187,7 @@
           <p:cNvPr id="5" name="Foliennummernplatzhalter 4">
             <a:extLst>
               <a:ext uri="{FF2B5EF4-FFF2-40B4-BE49-F238E27FC236}">
-                <a16:creationId xmlns:a16="http://schemas.microsoft.com/office/drawing/2014/main" id="{89A83008-8A08-43AC-A001-823EF50AB92C}"/>
+                <a16:creationId xmlns:a16="http://schemas.microsoft.com/office/drawing/2014/main" id="{E77C377A-E421-4DAF-A3D9-4AEBC20D8FFF}"/>
               </a:ext>
             </a:extLst>
           </p:cNvPr>
@@ -10937,7 +11217,7 @@
           <p:cNvPr id="6" name="Fußzeilenplatzhalter 5">
             <a:extLst>
               <a:ext uri="{FF2B5EF4-FFF2-40B4-BE49-F238E27FC236}">
-                <a16:creationId xmlns:a16="http://schemas.microsoft.com/office/drawing/2014/main" id="{81F8F9CD-A34E-4EA7-9CF2-0B9A3B11D09B}"/>
+                <a16:creationId xmlns:a16="http://schemas.microsoft.com/office/drawing/2014/main" id="{33501BF8-5E15-4393-84B1-4DFFD903C34B}"/>
               </a:ext>
             </a:extLst>
           </p:cNvPr>
@@ -10960,10 +11240,42 @@
           </a:p>
         </p:txBody>
       </p:sp>
+      <p:pic>
+        <p:nvPicPr>
+          <p:cNvPr id="7" name="Inhaltsplatzhalter 6">
+            <a:extLst>
+              <a:ext uri="{FF2B5EF4-FFF2-40B4-BE49-F238E27FC236}">
+                <a16:creationId xmlns:a16="http://schemas.microsoft.com/office/drawing/2014/main" id="{AAECBE83-B662-43C2-A521-7693F147659C}"/>
+              </a:ext>
+            </a:extLst>
+          </p:cNvPr>
+          <p:cNvPicPr>
+            <a:picLocks noGrp="1"/>
+          </p:cNvPicPr>
+          <p:nvPr>
+            <p:ph idx="1"/>
+          </p:nvPr>
+        </p:nvPicPr>
+        <p:blipFill>
+          <a:blip r:embed="rId2"/>
+          <a:stretch>
+            <a:fillRect/>
+          </a:stretch>
+        </p:blipFill>
+        <p:spPr>
+          <a:xfrm>
+            <a:off x="864000" y="1041732"/>
+            <a:ext cx="7092884" cy="5006482"/>
+          </a:xfrm>
+          <a:prstGeom prst="rect">
+            <a:avLst/>
+          </a:prstGeom>
+        </p:spPr>
+      </p:pic>
     </p:spTree>
     <p:extLst>
       <p:ext uri="{BB962C8B-B14F-4D97-AF65-F5344CB8AC3E}">
-        <p14:creationId xmlns:p14="http://schemas.microsoft.com/office/powerpoint/2010/main" val="2985242065"/>
+        <p14:creationId xmlns:p14="http://schemas.microsoft.com/office/powerpoint/2010/main" val="4139874475"/>
       </p:ext>
     </p:extLst>
   </p:cSld>
@@ -10995,7 +11307,7 @@
           <p:cNvPr id="2" name="Titel 1">
             <a:extLst>
               <a:ext uri="{FF2B5EF4-FFF2-40B4-BE49-F238E27FC236}">
-                <a16:creationId xmlns:a16="http://schemas.microsoft.com/office/drawing/2014/main" id="{5B17E2FD-5B41-495A-851C-79FD071F4F5A}"/>
+                <a16:creationId xmlns:a16="http://schemas.microsoft.com/office/drawing/2014/main" id="{DF85B8A3-E45B-4E6E-9171-B78F52788420}"/>
               </a:ext>
             </a:extLst>
           </p:cNvPr>
@@ -11013,7 +11325,53 @@
           <a:p>
             <a:r>
               <a:rPr lang="de-DE" dirty="0"/>
-              <a:t>Aufwands-/ Ressourcenschätzung</a:t>
+              <a:t>Arbeitspakete und Verantwortlichkeiten</a:t>
+            </a:r>
+          </a:p>
+        </p:txBody>
+      </p:sp>
+      <p:sp>
+        <p:nvSpPr>
+          <p:cNvPr id="3" name="Inhaltsplatzhalter 2">
+            <a:extLst>
+              <a:ext uri="{FF2B5EF4-FFF2-40B4-BE49-F238E27FC236}">
+                <a16:creationId xmlns:a16="http://schemas.microsoft.com/office/drawing/2014/main" id="{816354AF-047A-4E2A-8C08-722407B95F3B}"/>
+              </a:ext>
+            </a:extLst>
+          </p:cNvPr>
+          <p:cNvSpPr>
+            <a:spLocks noGrp="1"/>
+          </p:cNvSpPr>
+          <p:nvPr>
+            <p:ph idx="1"/>
+          </p:nvPr>
+        </p:nvSpPr>
+        <p:spPr/>
+        <p:txBody>
+          <a:bodyPr/>
+          <a:lstStyle/>
+          <a:p>
+            <a:r>
+              <a:rPr lang="de-DE" dirty="0"/>
+              <a:t>Dokumentation, Grafiken, Präsentation: Lukas Becker</a:t>
+            </a:r>
+          </a:p>
+          <a:p>
+            <a:r>
+              <a:rPr lang="de-DE" dirty="0"/>
+              <a:t>Grafische Umsetzung, Programmierung: Sebastian Linn</a:t>
+            </a:r>
+          </a:p>
+          <a:p>
+            <a:r>
+              <a:rPr lang="de-DE" dirty="0"/>
+              <a:t>Grafische Umsetzung, Programmierung: Nick Ringelmann</a:t>
+            </a:r>
+          </a:p>
+          <a:p>
+            <a:r>
+              <a:rPr lang="de-DE" dirty="0"/>
+              <a:t>Spiellogik, verteilte Programmierung: Steven Geiger</a:t>
             </a:r>
           </a:p>
         </p:txBody>
@@ -11023,7 +11381,7 @@
           <p:cNvPr id="4" name="Datumsplatzhalter 3">
             <a:extLst>
               <a:ext uri="{FF2B5EF4-FFF2-40B4-BE49-F238E27FC236}">
-                <a16:creationId xmlns:a16="http://schemas.microsoft.com/office/drawing/2014/main" id="{D62ABEE8-1C04-47FB-BE04-CF080918CB41}"/>
+                <a16:creationId xmlns:a16="http://schemas.microsoft.com/office/drawing/2014/main" id="{FDB160D8-5634-4D98-A7A5-5D7758D7B376}"/>
               </a:ext>
             </a:extLst>
           </p:cNvPr>
@@ -11052,7 +11410,7 @@
           <p:cNvPr id="5" name="Foliennummernplatzhalter 4">
             <a:extLst>
               <a:ext uri="{FF2B5EF4-FFF2-40B4-BE49-F238E27FC236}">
-                <a16:creationId xmlns:a16="http://schemas.microsoft.com/office/drawing/2014/main" id="{81D326C2-9548-4D88-8591-4564429041BD}"/>
+                <a16:creationId xmlns:a16="http://schemas.microsoft.com/office/drawing/2014/main" id="{89A83008-8A08-43AC-A001-823EF50AB92C}"/>
               </a:ext>
             </a:extLst>
           </p:cNvPr>
@@ -11082,7 +11440,7 @@
           <p:cNvPr id="6" name="Fußzeilenplatzhalter 5">
             <a:extLst>
               <a:ext uri="{FF2B5EF4-FFF2-40B4-BE49-F238E27FC236}">
-                <a16:creationId xmlns:a16="http://schemas.microsoft.com/office/drawing/2014/main" id="{3C847F7C-01BB-4891-B997-EF4FFED27A0A}"/>
+                <a16:creationId xmlns:a16="http://schemas.microsoft.com/office/drawing/2014/main" id="{81F8F9CD-A34E-4EA7-9CF2-0B9A3B11D09B}"/>
               </a:ext>
             </a:extLst>
           </p:cNvPr>
@@ -11105,36 +11463,10 @@
           </a:p>
         </p:txBody>
       </p:sp>
-      <p:graphicFrame>
-        <p:nvGraphicFramePr>
-          <p:cNvPr id="7" name="Inhaltsplatzhalter 6">
-            <a:extLst>
-              <a:ext uri="{FF2B5EF4-FFF2-40B4-BE49-F238E27FC236}">
-                <a16:creationId xmlns:a16="http://schemas.microsoft.com/office/drawing/2014/main" id="{F8AA3ECE-E681-487E-8160-3784519BF99E}"/>
-              </a:ext>
-            </a:extLst>
-          </p:cNvPr>
-          <p:cNvGraphicFramePr>
-            <a:graphicFrameLocks noGrp="1"/>
-          </p:cNvGraphicFramePr>
-          <p:nvPr>
-            <p:ph idx="1"/>
-          </p:nvPr>
-        </p:nvGraphicFramePr>
-        <p:xfrm>
-          <a:off x="863600" y="2020888"/>
-          <a:ext cx="10234613" cy="4105275"/>
-        </p:xfrm>
-        <a:graphic>
-          <a:graphicData uri="http://schemas.openxmlformats.org/drawingml/2006/chart">
-            <c:chart xmlns:c="http://schemas.openxmlformats.org/drawingml/2006/chart" xmlns:r="http://schemas.openxmlformats.org/officeDocument/2006/relationships" r:id="rId2"/>
-          </a:graphicData>
-        </a:graphic>
-      </p:graphicFrame>
     </p:spTree>
     <p:extLst>
       <p:ext uri="{BB962C8B-B14F-4D97-AF65-F5344CB8AC3E}">
-        <p14:creationId xmlns:p14="http://schemas.microsoft.com/office/powerpoint/2010/main" val="2346040221"/>
+        <p14:creationId xmlns:p14="http://schemas.microsoft.com/office/powerpoint/2010/main" val="2985242065"/>
       </p:ext>
     </p:extLst>
   </p:cSld>
@@ -11166,7 +11498,7 @@
           <p:cNvPr id="2" name="Titel 1">
             <a:extLst>
               <a:ext uri="{FF2B5EF4-FFF2-40B4-BE49-F238E27FC236}">
-                <a16:creationId xmlns:a16="http://schemas.microsoft.com/office/drawing/2014/main" id="{C13C8B87-A569-461F-966A-C8C78AE1498D}"/>
+                <a16:creationId xmlns:a16="http://schemas.microsoft.com/office/drawing/2014/main" id="{5B17E2FD-5B41-495A-851C-79FD071F4F5A}"/>
               </a:ext>
             </a:extLst>
           </p:cNvPr>
@@ -11184,7 +11516,7 @@
           <a:p>
             <a:r>
               <a:rPr lang="de-DE" dirty="0"/>
-              <a:t>Ablaufplanung</a:t>
+              <a:t>Aufwands-/ Ressourcenschätzung</a:t>
             </a:r>
           </a:p>
         </p:txBody>
@@ -11194,7 +11526,7 @@
           <p:cNvPr id="4" name="Datumsplatzhalter 3">
             <a:extLst>
               <a:ext uri="{FF2B5EF4-FFF2-40B4-BE49-F238E27FC236}">
-                <a16:creationId xmlns:a16="http://schemas.microsoft.com/office/drawing/2014/main" id="{64F1EBCD-2920-4AA6-8CD8-4CB659F8524E}"/>
+                <a16:creationId xmlns:a16="http://schemas.microsoft.com/office/drawing/2014/main" id="{D62ABEE8-1C04-47FB-BE04-CF080918CB41}"/>
               </a:ext>
             </a:extLst>
           </p:cNvPr>
@@ -11223,7 +11555,7 @@
           <p:cNvPr id="5" name="Foliennummernplatzhalter 4">
             <a:extLst>
               <a:ext uri="{FF2B5EF4-FFF2-40B4-BE49-F238E27FC236}">
-                <a16:creationId xmlns:a16="http://schemas.microsoft.com/office/drawing/2014/main" id="{C0734822-69D0-4CDD-8935-E24B2DB49625}"/>
+                <a16:creationId xmlns:a16="http://schemas.microsoft.com/office/drawing/2014/main" id="{81D326C2-9548-4D88-8591-4564429041BD}"/>
               </a:ext>
             </a:extLst>
           </p:cNvPr>
@@ -11253,7 +11585,7 @@
           <p:cNvPr id="6" name="Fußzeilenplatzhalter 5">
             <a:extLst>
               <a:ext uri="{FF2B5EF4-FFF2-40B4-BE49-F238E27FC236}">
-                <a16:creationId xmlns:a16="http://schemas.microsoft.com/office/drawing/2014/main" id="{0B6EEB5A-7FC9-42C1-89F4-DDD24EBBA955}"/>
+                <a16:creationId xmlns:a16="http://schemas.microsoft.com/office/drawing/2014/main" id="{3C847F7C-01BB-4891-B997-EF4FFED27A0A}"/>
               </a:ext>
             </a:extLst>
           </p:cNvPr>
@@ -11281,7 +11613,7 @@
           <p:cNvPr id="7" name="Inhaltsplatzhalter 6">
             <a:extLst>
               <a:ext uri="{FF2B5EF4-FFF2-40B4-BE49-F238E27FC236}">
-                <a16:creationId xmlns:a16="http://schemas.microsoft.com/office/drawing/2014/main" id="{B670963B-91B7-4EE2-971A-F1A848D2EA7A}"/>
+                <a16:creationId xmlns:a16="http://schemas.microsoft.com/office/drawing/2014/main" id="{F8AA3ECE-E681-487E-8160-3784519BF99E}"/>
               </a:ext>
             </a:extLst>
           </p:cNvPr>
@@ -11290,11 +11622,6 @@
           </p:cNvGraphicFramePr>
           <p:nvPr>
             <p:ph idx="1"/>
-            <p:extLst>
-              <p:ext uri="{D42A27DB-BD31-4B8C-83A1-F6EECF244321}">
-                <p14:modId xmlns:p14="http://schemas.microsoft.com/office/powerpoint/2010/main" val="827514047"/>
-              </p:ext>
-            </p:extLst>
           </p:nvPr>
         </p:nvGraphicFramePr>
         <p:xfrm>
@@ -11302,15 +11629,15 @@
           <a:ext cx="10234613" cy="4105275"/>
         </p:xfrm>
         <a:graphic>
-          <a:graphicData uri="http://schemas.openxmlformats.org/drawingml/2006/diagram">
-            <dgm:relIds xmlns:dgm="http://schemas.openxmlformats.org/drawingml/2006/diagram" xmlns:r="http://schemas.openxmlformats.org/officeDocument/2006/relationships" r:dm="rId2" r:lo="rId3" r:qs="rId4" r:cs="rId5"/>
+          <a:graphicData uri="http://schemas.openxmlformats.org/drawingml/2006/chart">
+            <c:chart xmlns:c="http://schemas.openxmlformats.org/drawingml/2006/chart" xmlns:r="http://schemas.openxmlformats.org/officeDocument/2006/relationships" r:id="rId2"/>
           </a:graphicData>
         </a:graphic>
       </p:graphicFrame>
     </p:spTree>
     <p:extLst>
       <p:ext uri="{BB962C8B-B14F-4D97-AF65-F5344CB8AC3E}">
-        <p14:creationId xmlns:p14="http://schemas.microsoft.com/office/powerpoint/2010/main" val="2514422797"/>
+        <p14:creationId xmlns:p14="http://schemas.microsoft.com/office/powerpoint/2010/main" val="2346040221"/>
       </p:ext>
     </p:extLst>
   </p:cSld>
@@ -11342,6 +11669,182 @@
           <p:cNvPr id="2" name="Titel 1">
             <a:extLst>
               <a:ext uri="{FF2B5EF4-FFF2-40B4-BE49-F238E27FC236}">
+                <a16:creationId xmlns:a16="http://schemas.microsoft.com/office/drawing/2014/main" id="{C13C8B87-A569-461F-966A-C8C78AE1498D}"/>
+              </a:ext>
+            </a:extLst>
+          </p:cNvPr>
+          <p:cNvSpPr>
+            <a:spLocks noGrp="1"/>
+          </p:cNvSpPr>
+          <p:nvPr>
+            <p:ph type="title"/>
+          </p:nvPr>
+        </p:nvSpPr>
+        <p:spPr/>
+        <p:txBody>
+          <a:bodyPr/>
+          <a:lstStyle/>
+          <a:p>
+            <a:r>
+              <a:rPr lang="de-DE" dirty="0"/>
+              <a:t>Ablaufplanung</a:t>
+            </a:r>
+          </a:p>
+        </p:txBody>
+      </p:sp>
+      <p:sp>
+        <p:nvSpPr>
+          <p:cNvPr id="4" name="Datumsplatzhalter 3">
+            <a:extLst>
+              <a:ext uri="{FF2B5EF4-FFF2-40B4-BE49-F238E27FC236}">
+                <a16:creationId xmlns:a16="http://schemas.microsoft.com/office/drawing/2014/main" id="{64F1EBCD-2920-4AA6-8CD8-4CB659F8524E}"/>
+              </a:ext>
+            </a:extLst>
+          </p:cNvPr>
+          <p:cNvSpPr>
+            <a:spLocks noGrp="1"/>
+          </p:cNvSpPr>
+          <p:nvPr>
+            <p:ph type="dt" sz="half" idx="2"/>
+          </p:nvPr>
+        </p:nvSpPr>
+        <p:spPr/>
+        <p:txBody>
+          <a:bodyPr/>
+          <a:lstStyle/>
+          <a:p>
+            <a:fld id="{0EFF8CB1-A472-480D-BCA1-90B3EE077451}" type="datetime1">
+              <a:rPr lang="de-DE" smtClean="0"/>
+              <a:t>11.06.2019</a:t>
+            </a:fld>
+            <a:endParaRPr lang="de-DE" dirty="0"/>
+          </a:p>
+        </p:txBody>
+      </p:sp>
+      <p:sp>
+        <p:nvSpPr>
+          <p:cNvPr id="5" name="Foliennummernplatzhalter 4">
+            <a:extLst>
+              <a:ext uri="{FF2B5EF4-FFF2-40B4-BE49-F238E27FC236}">
+                <a16:creationId xmlns:a16="http://schemas.microsoft.com/office/drawing/2014/main" id="{C0734822-69D0-4CDD-8935-E24B2DB49625}"/>
+              </a:ext>
+            </a:extLst>
+          </p:cNvPr>
+          <p:cNvSpPr>
+            <a:spLocks noGrp="1"/>
+          </p:cNvSpPr>
+          <p:nvPr>
+            <p:ph type="sldNum" sz="quarter" idx="4"/>
+          </p:nvPr>
+        </p:nvSpPr>
+        <p:spPr/>
+        <p:txBody>
+          <a:bodyPr/>
+          <a:lstStyle/>
+          <a:p>
+            <a:fld id="{E7BE1CCD-89A0-CC45-BF3E-2A331A7F0490}" type="slidenum">
+              <a:rPr lang="de-DE" smtClean="0"/>
+              <a:pPr/>
+              <a:t>8</a:t>
+            </a:fld>
+            <a:endParaRPr lang="de-DE" dirty="0"/>
+          </a:p>
+        </p:txBody>
+      </p:sp>
+      <p:sp>
+        <p:nvSpPr>
+          <p:cNvPr id="6" name="Fußzeilenplatzhalter 5">
+            <a:extLst>
+              <a:ext uri="{FF2B5EF4-FFF2-40B4-BE49-F238E27FC236}">
+                <a16:creationId xmlns:a16="http://schemas.microsoft.com/office/drawing/2014/main" id="{0B6EEB5A-7FC9-42C1-89F4-DDD24EBBA955}"/>
+              </a:ext>
+            </a:extLst>
+          </p:cNvPr>
+          <p:cNvSpPr>
+            <a:spLocks noGrp="1"/>
+          </p:cNvSpPr>
+          <p:nvPr>
+            <p:ph type="ftr" sz="quarter" idx="3"/>
+          </p:nvPr>
+        </p:nvSpPr>
+        <p:spPr/>
+        <p:txBody>
+          <a:bodyPr/>
+          <a:lstStyle/>
+          <a:p>
+            <a:r>
+              <a:rPr lang="de-DE" dirty="0"/>
+              <a:t>Programmieren II Projekt</a:t>
+            </a:r>
+          </a:p>
+        </p:txBody>
+      </p:sp>
+      <p:graphicFrame>
+        <p:nvGraphicFramePr>
+          <p:cNvPr id="7" name="Inhaltsplatzhalter 6">
+            <a:extLst>
+              <a:ext uri="{FF2B5EF4-FFF2-40B4-BE49-F238E27FC236}">
+                <a16:creationId xmlns:a16="http://schemas.microsoft.com/office/drawing/2014/main" id="{B670963B-91B7-4EE2-971A-F1A848D2EA7A}"/>
+              </a:ext>
+            </a:extLst>
+          </p:cNvPr>
+          <p:cNvGraphicFramePr>
+            <a:graphicFrameLocks noGrp="1"/>
+          </p:cNvGraphicFramePr>
+          <p:nvPr>
+            <p:ph idx="1"/>
+            <p:extLst>
+              <p:ext uri="{D42A27DB-BD31-4B8C-83A1-F6EECF244321}">
+                <p14:modId xmlns:p14="http://schemas.microsoft.com/office/powerpoint/2010/main" val="827514047"/>
+              </p:ext>
+            </p:extLst>
+          </p:nvPr>
+        </p:nvGraphicFramePr>
+        <p:xfrm>
+          <a:off x="863600" y="2020888"/>
+          <a:ext cx="10234613" cy="4105275"/>
+        </p:xfrm>
+        <a:graphic>
+          <a:graphicData uri="http://schemas.openxmlformats.org/drawingml/2006/diagram">
+            <dgm:relIds xmlns:dgm="http://schemas.openxmlformats.org/drawingml/2006/diagram" xmlns:r="http://schemas.openxmlformats.org/officeDocument/2006/relationships" r:dm="rId2" r:lo="rId3" r:qs="rId4" r:cs="rId5"/>
+          </a:graphicData>
+        </a:graphic>
+      </p:graphicFrame>
+    </p:spTree>
+    <p:extLst>
+      <p:ext uri="{BB962C8B-B14F-4D97-AF65-F5344CB8AC3E}">
+        <p14:creationId xmlns:p14="http://schemas.microsoft.com/office/powerpoint/2010/main" val="2514422797"/>
+      </p:ext>
+    </p:extLst>
+  </p:cSld>
+  <p:clrMapOvr>
+    <a:masterClrMapping/>
+  </p:clrMapOvr>
+</p:sld>
+</file>
+
+<file path=ppt/slides/slide9.xml><?xml version="1.0" encoding="utf-8"?>
+<p:sld xmlns:a="http://schemas.openxmlformats.org/drawingml/2006/main" xmlns:r="http://schemas.openxmlformats.org/officeDocument/2006/relationships" xmlns:p="http://schemas.openxmlformats.org/presentationml/2006/main">
+  <p:cSld>
+    <p:spTree>
+      <p:nvGrpSpPr>
+        <p:cNvPr id="1" name=""/>
+        <p:cNvGrpSpPr/>
+        <p:nvPr/>
+      </p:nvGrpSpPr>
+      <p:grpSpPr>
+        <a:xfrm>
+          <a:off x="0" y="0"/>
+          <a:ext cx="0" cy="0"/>
+          <a:chOff x="0" y="0"/>
+          <a:chExt cx="0" cy="0"/>
+        </a:xfrm>
+      </p:grpSpPr>
+      <p:sp>
+        <p:nvSpPr>
+          <p:cNvPr id="2" name="Titel 1">
+            <a:extLst>
+              <a:ext uri="{FF2B5EF4-FFF2-40B4-BE49-F238E27FC236}">
                 <a16:creationId xmlns:a16="http://schemas.microsoft.com/office/drawing/2014/main" id="{4A171231-9CEE-4F22-8B72-3F000FDC098C}"/>
               </a:ext>
             </a:extLst>
@@ -11423,7 +11926,7 @@
             <a:fld id="{E7BE1CCD-89A0-CC45-BF3E-2A331A7F0490}" type="slidenum">
               <a:rPr lang="de-DE" smtClean="0"/>
               <a:pPr/>
-              <a:t>8</a:t>
+              <a:t>9</a:t>
             </a:fld>
             <a:endParaRPr lang="de-DE" dirty="0"/>
           </a:p>
@@ -11554,7 +12057,7 @@
           <a:graphicData uri="http://schemas.openxmlformats.org/presentationml/2006/ole">
             <mc:AlternateContent xmlns:mc="http://schemas.openxmlformats.org/markup-compatibility/2006">
               <mc:Choice xmlns:v="urn:schemas-microsoft-com:vml" Requires="v">
-                <p:oleObj spid="_x0000_s1029" name="Visio" r:id="rId3" imgW="20490215" imgH="11178681" progId="Visio.Drawing.15">
+                <p:oleObj spid="_x0000_s1035" name="Visio" r:id="rId3" imgW="20490215" imgH="11178681" progId="Visio.Drawing.15">
                   <p:embed/>
                 </p:oleObj>
               </mc:Choice>
@@ -11603,183 +12106,6 @@
     <p:extLst>
       <p:ext uri="{BB962C8B-B14F-4D97-AF65-F5344CB8AC3E}">
         <p14:creationId xmlns:p14="http://schemas.microsoft.com/office/powerpoint/2010/main" val="7628299"/>
-      </p:ext>
-    </p:extLst>
-  </p:cSld>
-  <p:clrMapOvr>
-    <a:masterClrMapping/>
-  </p:clrMapOvr>
-</p:sld>
-</file>
-
-<file path=ppt/slides/slide9.xml><?xml version="1.0" encoding="utf-8"?>
-<p:sld xmlns:a="http://schemas.openxmlformats.org/drawingml/2006/main" xmlns:r="http://schemas.openxmlformats.org/officeDocument/2006/relationships" xmlns:p="http://schemas.openxmlformats.org/presentationml/2006/main">
-  <p:cSld>
-    <p:spTree>
-      <p:nvGrpSpPr>
-        <p:cNvPr id="1" name=""/>
-        <p:cNvGrpSpPr/>
-        <p:nvPr/>
-      </p:nvGrpSpPr>
-      <p:grpSpPr>
-        <a:xfrm>
-          <a:off x="0" y="0"/>
-          <a:ext cx="0" cy="0"/>
-          <a:chOff x="0" y="0"/>
-          <a:chExt cx="0" cy="0"/>
-        </a:xfrm>
-      </p:grpSpPr>
-      <p:sp>
-        <p:nvSpPr>
-          <p:cNvPr id="2" name="Titel 1">
-            <a:extLst>
-              <a:ext uri="{FF2B5EF4-FFF2-40B4-BE49-F238E27FC236}">
-                <a16:creationId xmlns:a16="http://schemas.microsoft.com/office/drawing/2014/main" id="{E38017CB-5D04-4AAE-82EB-EDE338C81032}"/>
-              </a:ext>
-            </a:extLst>
-          </p:cNvPr>
-          <p:cNvSpPr>
-            <a:spLocks noGrp="1"/>
-          </p:cNvSpPr>
-          <p:nvPr>
-            <p:ph type="title"/>
-          </p:nvPr>
-        </p:nvSpPr>
-        <p:spPr/>
-        <p:txBody>
-          <a:bodyPr/>
-          <a:lstStyle/>
-          <a:p>
-            <a:r>
-              <a:rPr lang="de-DE" dirty="0"/>
-              <a:t>Abfrage Ufo-Feld</a:t>
-            </a:r>
-          </a:p>
-        </p:txBody>
-      </p:sp>
-      <p:sp>
-        <p:nvSpPr>
-          <p:cNvPr id="4" name="Datumsplatzhalter 3">
-            <a:extLst>
-              <a:ext uri="{FF2B5EF4-FFF2-40B4-BE49-F238E27FC236}">
-                <a16:creationId xmlns:a16="http://schemas.microsoft.com/office/drawing/2014/main" id="{4485994C-F4C2-4A3C-A318-D33AE7A55728}"/>
-              </a:ext>
-            </a:extLst>
-          </p:cNvPr>
-          <p:cNvSpPr>
-            <a:spLocks noGrp="1"/>
-          </p:cNvSpPr>
-          <p:nvPr>
-            <p:ph type="dt" sz="half" idx="2"/>
-          </p:nvPr>
-        </p:nvSpPr>
-        <p:spPr/>
-        <p:txBody>
-          <a:bodyPr/>
-          <a:lstStyle/>
-          <a:p>
-            <a:fld id="{0EFF8CB1-A472-480D-BCA1-90B3EE077451}" type="datetime1">
-              <a:rPr lang="de-DE" smtClean="0"/>
-              <a:t>11.06.2019</a:t>
-            </a:fld>
-            <a:endParaRPr lang="de-DE" dirty="0"/>
-          </a:p>
-        </p:txBody>
-      </p:sp>
-      <p:sp>
-        <p:nvSpPr>
-          <p:cNvPr id="5" name="Foliennummernplatzhalter 4">
-            <a:extLst>
-              <a:ext uri="{FF2B5EF4-FFF2-40B4-BE49-F238E27FC236}">
-                <a16:creationId xmlns:a16="http://schemas.microsoft.com/office/drawing/2014/main" id="{379DE670-A8F6-4FD9-BA1C-500F255ABC08}"/>
-              </a:ext>
-            </a:extLst>
-          </p:cNvPr>
-          <p:cNvSpPr>
-            <a:spLocks noGrp="1"/>
-          </p:cNvSpPr>
-          <p:nvPr>
-            <p:ph type="sldNum" sz="quarter" idx="4"/>
-          </p:nvPr>
-        </p:nvSpPr>
-        <p:spPr/>
-        <p:txBody>
-          <a:bodyPr/>
-          <a:lstStyle/>
-          <a:p>
-            <a:fld id="{E7BE1CCD-89A0-CC45-BF3E-2A331A7F0490}" type="slidenum">
-              <a:rPr lang="de-DE" smtClean="0"/>
-              <a:pPr/>
-              <a:t>9</a:t>
-            </a:fld>
-            <a:endParaRPr lang="de-DE" dirty="0"/>
-          </a:p>
-        </p:txBody>
-      </p:sp>
-      <p:sp>
-        <p:nvSpPr>
-          <p:cNvPr id="6" name="Fußzeilenplatzhalter 5">
-            <a:extLst>
-              <a:ext uri="{FF2B5EF4-FFF2-40B4-BE49-F238E27FC236}">
-                <a16:creationId xmlns:a16="http://schemas.microsoft.com/office/drawing/2014/main" id="{863CEF60-E7F4-46AE-8EEC-4F8B699524D0}"/>
-              </a:ext>
-            </a:extLst>
-          </p:cNvPr>
-          <p:cNvSpPr>
-            <a:spLocks noGrp="1"/>
-          </p:cNvSpPr>
-          <p:nvPr>
-            <p:ph type="ftr" sz="quarter" idx="3"/>
-          </p:nvPr>
-        </p:nvSpPr>
-        <p:spPr/>
-        <p:txBody>
-          <a:bodyPr/>
-          <a:lstStyle/>
-          <a:p>
-            <a:r>
-              <a:rPr lang="de-DE" dirty="0"/>
-              <a:t>Programmieren II Projekt</a:t>
-            </a:r>
-          </a:p>
-        </p:txBody>
-      </p:sp>
-      <p:pic>
-        <p:nvPicPr>
-          <p:cNvPr id="7" name="Inhaltsplatzhalter 6">
-            <a:extLst>
-              <a:ext uri="{FF2B5EF4-FFF2-40B4-BE49-F238E27FC236}">
-                <a16:creationId xmlns:a16="http://schemas.microsoft.com/office/drawing/2014/main" id="{4191809F-6BD5-4418-A354-47E1B9577BD6}"/>
-              </a:ext>
-            </a:extLst>
-          </p:cNvPr>
-          <p:cNvPicPr>
-            <a:picLocks noGrp="1"/>
-          </p:cNvPicPr>
-          <p:nvPr>
-            <p:ph idx="1"/>
-          </p:nvPr>
-        </p:nvPicPr>
-        <p:blipFill>
-          <a:blip r:embed="rId2"/>
-          <a:stretch>
-            <a:fillRect/>
-          </a:stretch>
-        </p:blipFill>
-        <p:spPr>
-          <a:xfrm>
-            <a:off x="864000" y="2139950"/>
-            <a:ext cx="7172325" cy="3867150"/>
-          </a:xfrm>
-          <a:prstGeom prst="rect">
-            <a:avLst/>
-          </a:prstGeom>
-        </p:spPr>
-      </p:pic>
-    </p:spTree>
-    <p:extLst>
-      <p:ext uri="{BB962C8B-B14F-4D97-AF65-F5344CB8AC3E}">
-        <p14:creationId xmlns:p14="http://schemas.microsoft.com/office/powerpoint/2010/main" val="3209673170"/>
       </p:ext>
     </p:extLst>
   </p:cSld>

--- a/Programmieren II Projekt - Präsi.pptx
+++ b/Programmieren II Projekt - Präsi.pptx
@@ -9839,7 +9839,12 @@
             <p:ph type="title"/>
           </p:nvPr>
         </p:nvSpPr>
-        <p:spPr/>
+        <p:spPr>
+          <a:xfrm>
+            <a:off x="5980955" y="4833256"/>
+            <a:ext cx="5395046" cy="1143000"/>
+          </a:xfrm>
+        </p:spPr>
         <p:txBody>
           <a:bodyPr/>
           <a:lstStyle/>
@@ -9962,8 +9967,8 @@
         </p:blipFill>
         <p:spPr>
           <a:xfrm>
-            <a:off x="2659468" y="2020888"/>
-            <a:ext cx="4221462" cy="4105275"/>
+            <a:off x="864000" y="1017111"/>
+            <a:ext cx="5116954" cy="4959145"/>
           </a:xfrm>
           <a:prstGeom prst="rect">
             <a:avLst/>
@@ -9990,7 +9995,7 @@
         </p:blipFill>
         <p:spPr>
           <a:xfrm>
-            <a:off x="864000" y="2020888"/>
+            <a:off x="6211048" y="1017111"/>
             <a:ext cx="1685925" cy="1743075"/>
           </a:xfrm>
           <a:prstGeom prst="rect">
@@ -12057,7 +12062,7 @@
           <a:graphicData uri="http://schemas.openxmlformats.org/presentationml/2006/ole">
             <mc:AlternateContent xmlns:mc="http://schemas.openxmlformats.org/markup-compatibility/2006">
               <mc:Choice xmlns:v="urn:schemas-microsoft-com:vml" Requires="v">
-                <p:oleObj spid="_x0000_s1035" name="Visio" r:id="rId3" imgW="20490215" imgH="11178681" progId="Visio.Drawing.15">
+                <p:oleObj spid="_x0000_s1038" name="Visio" r:id="rId3" imgW="20490215" imgH="11178681" progId="Visio.Drawing.15">
                   <p:embed/>
                 </p:oleObj>
               </mc:Choice>
